--- a/docs/Presentazione Progetto.pptx
+++ b/docs/Presentazione Progetto.pptx
@@ -14,14 +14,15 @@
     <p:sldId id="261" r:id="rId8"/>
     <p:sldId id="275" r:id="rId9"/>
     <p:sldId id="262" r:id="rId10"/>
-    <p:sldId id="264" r:id="rId11"/>
-    <p:sldId id="266" r:id="rId12"/>
-    <p:sldId id="267" r:id="rId13"/>
-    <p:sldId id="268" r:id="rId14"/>
-    <p:sldId id="269" r:id="rId15"/>
-    <p:sldId id="271" r:id="rId16"/>
-    <p:sldId id="272" r:id="rId17"/>
-    <p:sldId id="274" r:id="rId18"/>
+    <p:sldId id="276" r:id="rId11"/>
+    <p:sldId id="277" r:id="rId12"/>
+    <p:sldId id="266" r:id="rId13"/>
+    <p:sldId id="267" r:id="rId14"/>
+    <p:sldId id="268" r:id="rId15"/>
+    <p:sldId id="269" r:id="rId16"/>
+    <p:sldId id="271" r:id="rId17"/>
+    <p:sldId id="272" r:id="rId18"/>
+    <p:sldId id="274" r:id="rId19"/>
   </p:sldIdLst>
   <p:sldSz cx="12192000" cy="6858000"/>
   <p:notesSz cx="6858000" cy="9144000"/>
@@ -736,7 +737,7 @@
           <a:p>
             <a:fld id="{AA6D72CD-F00F-4063-AC91-2EBA22CF71C7}" type="datetimeFigureOut">
               <a:rPr lang="it-IT" smtClean="0"/>
-              <a:t>17/09/2018</a:t>
+              <a:t>17/09/18</a:t>
             </a:fld>
             <a:endParaRPr lang="it-IT"/>
           </a:p>
@@ -1003,7 +1004,7 @@
           <a:p>
             <a:fld id="{AA6D72CD-F00F-4063-AC91-2EBA22CF71C7}" type="datetimeFigureOut">
               <a:rPr lang="it-IT" smtClean="0"/>
-              <a:t>17/09/2018</a:t>
+              <a:t>17/09/18</a:t>
             </a:fld>
             <a:endParaRPr lang="it-IT"/>
           </a:p>
@@ -1234,7 +1235,7 @@
           <a:p>
             <a:fld id="{AA6D72CD-F00F-4063-AC91-2EBA22CF71C7}" type="datetimeFigureOut">
               <a:rPr lang="it-IT" smtClean="0"/>
-              <a:t>17/09/2018</a:t>
+              <a:t>17/09/18</a:t>
             </a:fld>
             <a:endParaRPr lang="it-IT"/>
           </a:p>
@@ -1544,7 +1545,7 @@
           <a:p>
             <a:fld id="{AA6D72CD-F00F-4063-AC91-2EBA22CF71C7}" type="datetimeFigureOut">
               <a:rPr lang="it-IT" smtClean="0"/>
-              <a:t>17/09/2018</a:t>
+              <a:t>17/09/18</a:t>
             </a:fld>
             <a:endParaRPr lang="it-IT"/>
           </a:p>
@@ -2017,7 +2018,7 @@
           <a:p>
             <a:fld id="{AA6D72CD-F00F-4063-AC91-2EBA22CF71C7}" type="datetimeFigureOut">
               <a:rPr lang="it-IT" smtClean="0"/>
-              <a:t>17/09/2018</a:t>
+              <a:t>17/09/18</a:t>
             </a:fld>
             <a:endParaRPr lang="it-IT"/>
           </a:p>
@@ -2564,7 +2565,7 @@
           <a:p>
             <a:fld id="{AA6D72CD-F00F-4063-AC91-2EBA22CF71C7}" type="datetimeFigureOut">
               <a:rPr lang="it-IT" smtClean="0"/>
-              <a:t>17/09/2018</a:t>
+              <a:t>17/09/18</a:t>
             </a:fld>
             <a:endParaRPr lang="it-IT"/>
           </a:p>
@@ -3338,7 +3339,7 @@
           <a:p>
             <a:fld id="{AA6D72CD-F00F-4063-AC91-2EBA22CF71C7}" type="datetimeFigureOut">
               <a:rPr lang="it-IT" smtClean="0"/>
-              <a:t>17/09/2018</a:t>
+              <a:t>17/09/18</a:t>
             </a:fld>
             <a:endParaRPr lang="it-IT"/>
           </a:p>
@@ -3513,7 +3514,7 @@
           <a:p>
             <a:fld id="{AA6D72CD-F00F-4063-AC91-2EBA22CF71C7}" type="datetimeFigureOut">
               <a:rPr lang="it-IT" smtClean="0"/>
-              <a:t>17/09/2018</a:t>
+              <a:t>17/09/18</a:t>
             </a:fld>
             <a:endParaRPr lang="it-IT"/>
           </a:p>
@@ -3736,7 +3737,7 @@
           <a:p>
             <a:fld id="{AA6D72CD-F00F-4063-AC91-2EBA22CF71C7}" type="datetimeFigureOut">
               <a:rPr lang="it-IT" smtClean="0"/>
-              <a:t>17/09/2018</a:t>
+              <a:t>17/09/18</a:t>
             </a:fld>
             <a:endParaRPr lang="it-IT"/>
           </a:p>
@@ -3916,7 +3917,7 @@
           <a:p>
             <a:fld id="{AA6D72CD-F00F-4063-AC91-2EBA22CF71C7}" type="datetimeFigureOut">
               <a:rPr lang="it-IT" smtClean="0"/>
-              <a:t>17/09/2018</a:t>
+              <a:t>17/09/18</a:t>
             </a:fld>
             <a:endParaRPr lang="it-IT"/>
           </a:p>
@@ -4205,7 +4206,7 @@
           <a:p>
             <a:fld id="{AA6D72CD-F00F-4063-AC91-2EBA22CF71C7}" type="datetimeFigureOut">
               <a:rPr lang="it-IT" smtClean="0"/>
-              <a:t>17/09/2018</a:t>
+              <a:t>17/09/18</a:t>
             </a:fld>
             <a:endParaRPr lang="it-IT"/>
           </a:p>
@@ -4447,7 +4448,7 @@
           <a:p>
             <a:fld id="{AA6D72CD-F00F-4063-AC91-2EBA22CF71C7}" type="datetimeFigureOut">
               <a:rPr lang="it-IT" smtClean="0"/>
-              <a:t>17/09/2018</a:t>
+              <a:t>17/09/18</a:t>
             </a:fld>
             <a:endParaRPr lang="it-IT"/>
           </a:p>
@@ -4826,7 +4827,7 @@
           <a:p>
             <a:fld id="{AA6D72CD-F00F-4063-AC91-2EBA22CF71C7}" type="datetimeFigureOut">
               <a:rPr lang="it-IT" smtClean="0"/>
-              <a:t>17/09/2018</a:t>
+              <a:t>17/09/18</a:t>
             </a:fld>
             <a:endParaRPr lang="it-IT"/>
           </a:p>
@@ -4944,7 +4945,7 @@
           <a:p>
             <a:fld id="{AA6D72CD-F00F-4063-AC91-2EBA22CF71C7}" type="datetimeFigureOut">
               <a:rPr lang="it-IT" smtClean="0"/>
-              <a:t>17/09/2018</a:t>
+              <a:t>17/09/18</a:t>
             </a:fld>
             <a:endParaRPr lang="it-IT"/>
           </a:p>
@@ -5039,7 +5040,7 @@
           <a:p>
             <a:fld id="{AA6D72CD-F00F-4063-AC91-2EBA22CF71C7}" type="datetimeFigureOut">
               <a:rPr lang="it-IT" smtClean="0"/>
-              <a:t>17/09/2018</a:t>
+              <a:t>17/09/18</a:t>
             </a:fld>
             <a:endParaRPr lang="it-IT"/>
           </a:p>
@@ -5288,7 +5289,7 @@
           <a:p>
             <a:fld id="{AA6D72CD-F00F-4063-AC91-2EBA22CF71C7}" type="datetimeFigureOut">
               <a:rPr lang="it-IT" smtClean="0"/>
-              <a:t>17/09/2018</a:t>
+              <a:t>17/09/18</a:t>
             </a:fld>
             <a:endParaRPr lang="it-IT"/>
           </a:p>
@@ -5545,7 +5546,7 @@
           <a:p>
             <a:fld id="{AA6D72CD-F00F-4063-AC91-2EBA22CF71C7}" type="datetimeFigureOut">
               <a:rPr lang="it-IT" smtClean="0"/>
-              <a:t>17/09/2018</a:t>
+              <a:t>17/09/18</a:t>
             </a:fld>
             <a:endParaRPr lang="it-IT"/>
           </a:p>
@@ -5788,7 +5789,7 @@
           <a:p>
             <a:fld id="{AA6D72CD-F00F-4063-AC91-2EBA22CF71C7}" type="datetimeFigureOut">
               <a:rPr lang="it-IT" smtClean="0"/>
-              <a:t>17/09/2018</a:t>
+              <a:t>17/09/18</a:t>
             </a:fld>
             <a:endParaRPr lang="it-IT"/>
           </a:p>
@@ -6411,10 +6412,10 @@
       </p:sp>
       <p:pic>
         <p:nvPicPr>
-          <p:cNvPr id="5" name="Immagine 4">
+          <p:cNvPr id="6" name="Immagine 5">
             <a:extLst>
               <a:ext uri="{FF2B5EF4-FFF2-40B4-BE49-F238E27FC236}">
-                <a16:creationId xmlns:a16="http://schemas.microsoft.com/office/drawing/2014/main" id="{6AFF4F03-75AB-4BFD-BA82-611A08CEF0B0}"/>
+                <a16:creationId xmlns:a16="http://schemas.microsoft.com/office/drawing/2014/main" id="{B1AB6070-8120-1D40-9938-29A2179B60FD}"/>
               </a:ext>
             </a:extLst>
           </p:cNvPr>
@@ -6437,18 +6438,53 @@
         </p:blipFill>
         <p:spPr>
           <a:xfrm>
-            <a:off x="1477108" y="1180365"/>
-            <a:ext cx="9566030" cy="5268824"/>
+            <a:off x="2247908" y="1846660"/>
+            <a:ext cx="7696200" cy="4559300"/>
           </a:xfrm>
           <a:prstGeom prst="rect">
             <a:avLst/>
           </a:prstGeom>
         </p:spPr>
       </p:pic>
+      <p:sp>
+        <p:nvSpPr>
+          <p:cNvPr id="7" name="CasellaDiTesto 6">
+            <a:extLst>
+              <a:ext uri="{FF2B5EF4-FFF2-40B4-BE49-F238E27FC236}">
+                <a16:creationId xmlns:a16="http://schemas.microsoft.com/office/drawing/2014/main" id="{CC04FF21-186C-F94B-8571-B714F210B7F4}"/>
+              </a:ext>
+            </a:extLst>
+          </p:cNvPr>
+          <p:cNvSpPr txBox="1"/>
+          <p:nvPr/>
+        </p:nvSpPr>
+        <p:spPr>
+          <a:xfrm>
+            <a:off x="645065" y="1331878"/>
+            <a:ext cx="5245096" cy="369332"/>
+          </a:xfrm>
+          <a:prstGeom prst="rect">
+            <a:avLst/>
+          </a:prstGeom>
+          <a:noFill/>
+        </p:spPr>
+        <p:txBody>
+          <a:bodyPr wrap="square" rtlCol="0">
+            <a:spAutoFit/>
+          </a:bodyPr>
+          <a:lstStyle/>
+          <a:p>
+            <a:r>
+              <a:rPr lang="it-IT" dirty="0"/>
+              <a:t>Applicazione Vincoli agli assegnamenti</a:t>
+            </a:r>
+          </a:p>
+        </p:txBody>
+      </p:sp>
     </p:spTree>
     <p:extLst>
       <p:ext uri="{BB962C8B-B14F-4D97-AF65-F5344CB8AC3E}">
-        <p14:creationId xmlns:p14="http://schemas.microsoft.com/office/powerpoint/2010/main" val="1452787010"/>
+        <p14:creationId xmlns:p14="http://schemas.microsoft.com/office/powerpoint/2010/main" val="2687318284"/>
       </p:ext>
     </p:extLst>
   </p:cSld>
@@ -6459,6 +6495,195 @@
 </file>
 
 <file path=ppt/slides/slide11.xml><?xml version="1.0" encoding="utf-8"?>
+<p:sld xmlns:a="http://schemas.openxmlformats.org/drawingml/2006/main" xmlns:r="http://schemas.openxmlformats.org/officeDocument/2006/relationships" xmlns:p="http://schemas.openxmlformats.org/presentationml/2006/main">
+  <p:cSld>
+    <p:spTree>
+      <p:nvGrpSpPr>
+        <p:cNvPr id="1" name=""/>
+        <p:cNvGrpSpPr/>
+        <p:nvPr/>
+      </p:nvGrpSpPr>
+      <p:grpSpPr>
+        <a:xfrm>
+          <a:off x="0" y="0"/>
+          <a:ext cx="0" cy="0"/>
+          <a:chOff x="0" y="0"/>
+          <a:chExt cx="0" cy="0"/>
+        </a:xfrm>
+      </p:grpSpPr>
+      <p:sp>
+        <p:nvSpPr>
+          <p:cNvPr id="2" name="Rettangolo 1">
+            <a:extLst>
+              <a:ext uri="{FF2B5EF4-FFF2-40B4-BE49-F238E27FC236}">
+                <a16:creationId xmlns:a16="http://schemas.microsoft.com/office/drawing/2014/main" id="{0996E55E-5EF6-4217-AAE1-A0E2C5D498F8}"/>
+              </a:ext>
+            </a:extLst>
+          </p:cNvPr>
+          <p:cNvSpPr/>
+          <p:nvPr/>
+        </p:nvSpPr>
+        <p:spPr>
+          <a:xfrm>
+            <a:off x="1885560" y="0"/>
+            <a:ext cx="8420896" cy="923330"/>
+          </a:xfrm>
+          <a:prstGeom prst="rect">
+            <a:avLst/>
+          </a:prstGeom>
+          <a:noFill/>
+        </p:spPr>
+        <p:txBody>
+          <a:bodyPr wrap="none" lIns="91440" tIns="45720" rIns="91440" bIns="45720">
+            <a:spAutoFit/>
+          </a:bodyPr>
+          <a:lstStyle/>
+          <a:p>
+            <a:pPr algn="ctr"/>
+            <a:r>
+              <a:rPr lang="it-IT" sz="5400" b="1" cap="none" spc="0" dirty="0">
+                <a:ln w="9525">
+                  <a:solidFill>
+                    <a:schemeClr val="bg1"/>
+                  </a:solidFill>
+                  <a:prstDash val="solid"/>
+                </a:ln>
+                <a:solidFill>
+                  <a:schemeClr val="tx1"/>
+                </a:solidFill>
+                <a:effectLst>
+                  <a:outerShdw blurRad="12700" dist="38100" dir="2700000" algn="tl" rotWithShape="0">
+                    <a:schemeClr val="bg1">
+                      <a:lumMod val="50000"/>
+                    </a:schemeClr>
+                  </a:outerShdw>
+                </a:effectLst>
+              </a:rPr>
+              <a:t>Modellizzazione del Sistema</a:t>
+            </a:r>
+          </a:p>
+        </p:txBody>
+      </p:sp>
+      <p:sp>
+        <p:nvSpPr>
+          <p:cNvPr id="3" name="CasellaDiTesto 2">
+            <a:extLst>
+              <a:ext uri="{FF2B5EF4-FFF2-40B4-BE49-F238E27FC236}">
+                <a16:creationId xmlns:a16="http://schemas.microsoft.com/office/drawing/2014/main" id="{1FC66CFD-EE7D-4BAD-97E1-66E216ED7AC6}"/>
+              </a:ext>
+            </a:extLst>
+          </p:cNvPr>
+          <p:cNvSpPr txBox="1"/>
+          <p:nvPr/>
+        </p:nvSpPr>
+        <p:spPr>
+          <a:xfrm>
+            <a:off x="4781690" y="723275"/>
+            <a:ext cx="4065373" cy="400110"/>
+          </a:xfrm>
+          <a:prstGeom prst="rect">
+            <a:avLst/>
+          </a:prstGeom>
+          <a:noFill/>
+        </p:spPr>
+        <p:txBody>
+          <a:bodyPr wrap="square" rtlCol="0">
+            <a:spAutoFit/>
+          </a:bodyPr>
+          <a:lstStyle/>
+          <a:p>
+            <a:r>
+              <a:rPr lang="it-IT" sz="2000" dirty="0"/>
+              <a:t>Diagramma di sequenza</a:t>
+            </a:r>
+          </a:p>
+        </p:txBody>
+      </p:sp>
+      <p:pic>
+        <p:nvPicPr>
+          <p:cNvPr id="5" name="Immagine 4">
+            <a:extLst>
+              <a:ext uri="{FF2B5EF4-FFF2-40B4-BE49-F238E27FC236}">
+                <a16:creationId xmlns:a16="http://schemas.microsoft.com/office/drawing/2014/main" id="{325641B7-3282-9C44-8A7C-8C316F21A593}"/>
+              </a:ext>
+            </a:extLst>
+          </p:cNvPr>
+          <p:cNvPicPr>
+            <a:picLocks noChangeAspect="1"/>
+          </p:cNvPicPr>
+          <p:nvPr/>
+        </p:nvPicPr>
+        <p:blipFill>
+          <a:blip r:embed="rId2">
+            <a:extLst>
+              <a:ext uri="{28A0092B-C50C-407E-A947-70E740481C1C}">
+                <a14:useLocalDpi xmlns:a14="http://schemas.microsoft.com/office/drawing/2010/main" val="0"/>
+              </a:ext>
+            </a:extLst>
+          </a:blip>
+          <a:stretch>
+            <a:fillRect/>
+          </a:stretch>
+        </p:blipFill>
+        <p:spPr>
+          <a:xfrm>
+            <a:off x="2632133" y="1646605"/>
+            <a:ext cx="7493000" cy="4737100"/>
+          </a:xfrm>
+          <a:prstGeom prst="rect">
+            <a:avLst/>
+          </a:prstGeom>
+        </p:spPr>
+      </p:pic>
+      <p:sp>
+        <p:nvSpPr>
+          <p:cNvPr id="7" name="CasellaDiTesto 6">
+            <a:extLst>
+              <a:ext uri="{FF2B5EF4-FFF2-40B4-BE49-F238E27FC236}">
+                <a16:creationId xmlns:a16="http://schemas.microsoft.com/office/drawing/2014/main" id="{71BC0432-24BA-9C42-B2B5-92F0FAD16B41}"/>
+              </a:ext>
+            </a:extLst>
+          </p:cNvPr>
+          <p:cNvSpPr txBox="1"/>
+          <p:nvPr/>
+        </p:nvSpPr>
+        <p:spPr>
+          <a:xfrm>
+            <a:off x="716317" y="1184940"/>
+            <a:ext cx="4065373" cy="400110"/>
+          </a:xfrm>
+          <a:prstGeom prst="rect">
+            <a:avLst/>
+          </a:prstGeom>
+          <a:noFill/>
+        </p:spPr>
+        <p:txBody>
+          <a:bodyPr wrap="square" rtlCol="0">
+            <a:spAutoFit/>
+          </a:bodyPr>
+          <a:lstStyle/>
+          <a:p>
+            <a:r>
+              <a:rPr lang="it-IT" sz="2000" dirty="0"/>
+              <a:t>Metodo smista()</a:t>
+            </a:r>
+          </a:p>
+        </p:txBody>
+      </p:sp>
+    </p:spTree>
+    <p:extLst>
+      <p:ext uri="{BB962C8B-B14F-4D97-AF65-F5344CB8AC3E}">
+        <p14:creationId xmlns:p14="http://schemas.microsoft.com/office/powerpoint/2010/main" val="3387898140"/>
+      </p:ext>
+    </p:extLst>
+  </p:cSld>
+  <p:clrMapOvr>
+    <a:masterClrMapping/>
+  </p:clrMapOvr>
+</p:sld>
+</file>
+
+<file path=ppt/slides/slide12.xml><?xml version="1.0" encoding="utf-8"?>
 <p:sld xmlns:a="http://schemas.openxmlformats.org/drawingml/2006/main" xmlns:r="http://schemas.openxmlformats.org/officeDocument/2006/relationships" xmlns:p="http://schemas.openxmlformats.org/presentationml/2006/main">
   <p:cSld>
     <p:spTree>
@@ -6883,7 +7108,7 @@
 </p:sld>
 </file>
 
-<file path=ppt/slides/slide12.xml><?xml version="1.0" encoding="utf-8"?>
+<file path=ppt/slides/slide13.xml><?xml version="1.0" encoding="utf-8"?>
 <p:sld xmlns:a="http://schemas.openxmlformats.org/drawingml/2006/main" xmlns:r="http://schemas.openxmlformats.org/officeDocument/2006/relationships" xmlns:p="http://schemas.openxmlformats.org/presentationml/2006/main">
   <p:cSld>
     <p:spTree>
@@ -7184,7 +7409,7 @@
 </p:sld>
 </file>
 
-<file path=ppt/slides/slide13.xml><?xml version="1.0" encoding="utf-8"?>
+<file path=ppt/slides/slide14.xml><?xml version="1.0" encoding="utf-8"?>
 <p:sld xmlns:a="http://schemas.openxmlformats.org/drawingml/2006/main" xmlns:r="http://schemas.openxmlformats.org/officeDocument/2006/relationships" xmlns:p="http://schemas.openxmlformats.org/presentationml/2006/main">
   <p:cSld>
     <p:spTree>
@@ -7303,7 +7528,7 @@
 </p:sld>
 </file>
 
-<file path=ppt/slides/slide14.xml><?xml version="1.0" encoding="utf-8"?>
+<file path=ppt/slides/slide15.xml><?xml version="1.0" encoding="utf-8"?>
 <p:sld xmlns:a="http://schemas.openxmlformats.org/drawingml/2006/main" xmlns:r="http://schemas.openxmlformats.org/officeDocument/2006/relationships" xmlns:p="http://schemas.openxmlformats.org/presentationml/2006/main">
   <p:cSld>
     <p:spTree>
@@ -7458,7 +7683,7 @@
 </p:sld>
 </file>
 
-<file path=ppt/slides/slide15.xml><?xml version="1.0" encoding="utf-8"?>
+<file path=ppt/slides/slide16.xml><?xml version="1.0" encoding="utf-8"?>
 <p:sld xmlns:a="http://schemas.openxmlformats.org/drawingml/2006/main" xmlns:r="http://schemas.openxmlformats.org/officeDocument/2006/relationships" xmlns:p="http://schemas.openxmlformats.org/presentationml/2006/main">
   <p:cSld>
     <p:spTree>
@@ -7612,7 +7837,7 @@
 </p:sld>
 </file>
 
-<file path=ppt/slides/slide16.xml><?xml version="1.0" encoding="utf-8"?>
+<file path=ppt/slides/slide17.xml><?xml version="1.0" encoding="utf-8"?>
 <p:sld xmlns:a="http://schemas.openxmlformats.org/drawingml/2006/main" xmlns:r="http://schemas.openxmlformats.org/officeDocument/2006/relationships" xmlns:p="http://schemas.openxmlformats.org/presentationml/2006/main">
   <p:cSld>
     <p:spTree>
@@ -7731,7 +7956,7 @@
 </p:sld>
 </file>
 
-<file path=ppt/slides/slide17.xml><?xml version="1.0" encoding="utf-8"?>
+<file path=ppt/slides/slide18.xml><?xml version="1.0" encoding="utf-8"?>
 <p:sld xmlns:a="http://schemas.openxmlformats.org/drawingml/2006/main" xmlns:r="http://schemas.openxmlformats.org/officeDocument/2006/relationships" xmlns:p="http://schemas.openxmlformats.org/presentationml/2006/main">
   <p:cSld>
     <p:spTree>
